--- a/Presentation1.pptx
+++ b/Presentation1.pptx
@@ -116,6 +116,11 @@
       </a:defRPr>
     </a:lvl9pPr>
   </p:defaultTextStyle>
+  <p:extLst>
+    <p:ext uri="{EFAFB233-063F-42B5-8137-9DF3F51BA10A}">
+      <p15:sldGuideLst xmlns:p15="http://schemas.microsoft.com/office/powerpoint/2012/main"/>
+    </p:ext>
+  </p:extLst>
 </p:presentation>
 </file>
 
@@ -841,7 +846,7 @@
           <a:p>
             <a:fld id="{EAC1BCAA-A34E-E448-90E7-0AD4A1127665}" type="datetimeFigureOut">
               <a:rPr lang="en-US" smtClean="0"/>
-              <a:t>4/27/25</a:t>
+              <a:t>4/29/25</a:t>
             </a:fld>
             <a:endParaRPr lang="en-US"/>
           </a:p>
@@ -1092,7 +1097,7 @@
           <a:p>
             <a:fld id="{EAC1BCAA-A34E-E448-90E7-0AD4A1127665}" type="datetimeFigureOut">
               <a:rPr lang="en-US" smtClean="0"/>
-              <a:t>4/27/25</a:t>
+              <a:t>4/29/25</a:t>
             </a:fld>
             <a:endParaRPr lang="en-US"/>
           </a:p>
@@ -1406,7 +1411,7 @@
           <a:p>
             <a:fld id="{EAC1BCAA-A34E-E448-90E7-0AD4A1127665}" type="datetimeFigureOut">
               <a:rPr lang="en-US" smtClean="0"/>
-              <a:t>4/27/25</a:t>
+              <a:t>4/29/25</a:t>
             </a:fld>
             <a:endParaRPr lang="en-US"/>
           </a:p>
@@ -1747,7 +1752,7 @@
           <a:p>
             <a:fld id="{EAC1BCAA-A34E-E448-90E7-0AD4A1127665}" type="datetimeFigureOut">
               <a:rPr lang="en-US" smtClean="0"/>
-              <a:t>4/27/25</a:t>
+              <a:t>4/29/25</a:t>
             </a:fld>
             <a:endParaRPr lang="en-US"/>
           </a:p>
@@ -2061,7 +2066,7 @@
           <a:p>
             <a:fld id="{EAC1BCAA-A34E-E448-90E7-0AD4A1127665}" type="datetimeFigureOut">
               <a:rPr lang="en-US" smtClean="0"/>
-              <a:t>4/27/25</a:t>
+              <a:t>4/29/25</a:t>
             </a:fld>
             <a:endParaRPr lang="en-US"/>
           </a:p>
@@ -2454,7 +2459,7 @@
           <a:p>
             <a:fld id="{EAC1BCAA-A34E-E448-90E7-0AD4A1127665}" type="datetimeFigureOut">
               <a:rPr lang="en-US" smtClean="0"/>
-              <a:t>4/27/25</a:t>
+              <a:t>4/29/25</a:t>
             </a:fld>
             <a:endParaRPr lang="en-US"/>
           </a:p>
@@ -2624,7 +2629,7 @@
           <a:p>
             <a:fld id="{EAC1BCAA-A34E-E448-90E7-0AD4A1127665}" type="datetimeFigureOut">
               <a:rPr lang="en-US" smtClean="0"/>
-              <a:t>4/27/25</a:t>
+              <a:t>4/29/25</a:t>
             </a:fld>
             <a:endParaRPr lang="en-US"/>
           </a:p>
@@ -2804,7 +2809,7 @@
           <a:p>
             <a:fld id="{EAC1BCAA-A34E-E448-90E7-0AD4A1127665}" type="datetimeFigureOut">
               <a:rPr lang="en-US" smtClean="0"/>
-              <a:t>4/27/25</a:t>
+              <a:t>4/29/25</a:t>
             </a:fld>
             <a:endParaRPr lang="en-US"/>
           </a:p>
@@ -2980,7 +2985,7 @@
           <a:p>
             <a:fld id="{EAC1BCAA-A34E-E448-90E7-0AD4A1127665}" type="datetimeFigureOut">
               <a:rPr lang="en-US" smtClean="0"/>
-              <a:t>4/27/25</a:t>
+              <a:t>4/29/25</a:t>
             </a:fld>
             <a:endParaRPr lang="en-US"/>
           </a:p>
@@ -3227,7 +3232,7 @@
           <a:p>
             <a:fld id="{EAC1BCAA-A34E-E448-90E7-0AD4A1127665}" type="datetimeFigureOut">
               <a:rPr lang="en-US" smtClean="0"/>
-              <a:t>4/27/25</a:t>
+              <a:t>4/29/25</a:t>
             </a:fld>
             <a:endParaRPr lang="en-US"/>
           </a:p>
@@ -3459,7 +3464,7 @@
           <a:p>
             <a:fld id="{EAC1BCAA-A34E-E448-90E7-0AD4A1127665}" type="datetimeFigureOut">
               <a:rPr lang="en-US" smtClean="0"/>
-              <a:t>4/27/25</a:t>
+              <a:t>4/29/25</a:t>
             </a:fld>
             <a:endParaRPr lang="en-US"/>
           </a:p>
@@ -3833,7 +3838,7 @@
           <a:p>
             <a:fld id="{EAC1BCAA-A34E-E448-90E7-0AD4A1127665}" type="datetimeFigureOut">
               <a:rPr lang="en-US" smtClean="0"/>
-              <a:t>4/27/25</a:t>
+              <a:t>4/29/25</a:t>
             </a:fld>
             <a:endParaRPr lang="en-US"/>
           </a:p>
@@ -3956,7 +3961,7 @@
           <a:p>
             <a:fld id="{EAC1BCAA-A34E-E448-90E7-0AD4A1127665}" type="datetimeFigureOut">
               <a:rPr lang="en-US" smtClean="0"/>
-              <a:t>4/27/25</a:t>
+              <a:t>4/29/25</a:t>
             </a:fld>
             <a:endParaRPr lang="en-US"/>
           </a:p>
@@ -4051,7 +4056,7 @@
           <a:p>
             <a:fld id="{EAC1BCAA-A34E-E448-90E7-0AD4A1127665}" type="datetimeFigureOut">
               <a:rPr lang="en-US" smtClean="0"/>
-              <a:t>4/27/25</a:t>
+              <a:t>4/29/25</a:t>
             </a:fld>
             <a:endParaRPr lang="en-US"/>
           </a:p>
@@ -4306,7 +4311,7 @@
           <a:p>
             <a:fld id="{EAC1BCAA-A34E-E448-90E7-0AD4A1127665}" type="datetimeFigureOut">
               <a:rPr lang="en-US" smtClean="0"/>
-              <a:t>4/27/25</a:t>
+              <a:t>4/29/25</a:t>
             </a:fld>
             <a:endParaRPr lang="en-US"/>
           </a:p>
@@ -4569,7 +4574,7 @@
           <a:p>
             <a:fld id="{EAC1BCAA-A34E-E448-90E7-0AD4A1127665}" type="datetimeFigureOut">
               <a:rPr lang="en-US" smtClean="0"/>
-              <a:t>4/27/25</a:t>
+              <a:t>4/29/25</a:t>
             </a:fld>
             <a:endParaRPr lang="en-US"/>
           </a:p>
@@ -5312,7 +5317,7 @@
           <a:p>
             <a:fld id="{EAC1BCAA-A34E-E448-90E7-0AD4A1127665}" type="datetimeFigureOut">
               <a:rPr lang="en-US" smtClean="0"/>
-              <a:t>4/27/25</a:t>
+              <a:t>4/29/25</a:t>
             </a:fld>
             <a:endParaRPr lang="en-US"/>
           </a:p>
@@ -6892,7 +6897,7 @@
             </a:pPr>
             <a:r>
               <a:rPr lang="en-US" dirty="0"/>
-              <a:t>Questions ?</a:t>
+              <a:t>  </a:t>
             </a:r>
           </a:p>
         </p:txBody>
